--- a/UmaTeachingMaterial/MongoDB/MongoDB-Interview-QA-Intellipaat.pptx
+++ b/UmaTeachingMaterial/MongoDB/MongoDB-Interview-QA-Intellipaat.pptx
@@ -346,7 +346,7 @@
           <a:p>
             <a:fld id="{2D1FB5FC-1629-4A0D-9573-785FAC7ED015}" type="datetimeFigureOut">
               <a:rPr lang="en-US" smtClean="0"/>
-              <a:t>2/22/2026</a:t>
+              <a:t>2/27/2026</a:t>
             </a:fld>
             <a:endParaRPr lang="en-US"/>
           </a:p>
@@ -516,7 +516,7 @@
           <a:p>
             <a:fld id="{2D1FB5FC-1629-4A0D-9573-785FAC7ED015}" type="datetimeFigureOut">
               <a:rPr lang="en-US" smtClean="0"/>
-              <a:t>2/22/2026</a:t>
+              <a:t>2/27/2026</a:t>
             </a:fld>
             <a:endParaRPr lang="en-US"/>
           </a:p>
@@ -696,7 +696,7 @@
           <a:p>
             <a:fld id="{2D1FB5FC-1629-4A0D-9573-785FAC7ED015}" type="datetimeFigureOut">
               <a:rPr lang="en-US" smtClean="0"/>
-              <a:t>2/22/2026</a:t>
+              <a:t>2/27/2026</a:t>
             </a:fld>
             <a:endParaRPr lang="en-US"/>
           </a:p>
@@ -866,7 +866,7 @@
           <a:p>
             <a:fld id="{2D1FB5FC-1629-4A0D-9573-785FAC7ED015}" type="datetimeFigureOut">
               <a:rPr lang="en-US" smtClean="0"/>
-              <a:t>2/22/2026</a:t>
+              <a:t>2/27/2026</a:t>
             </a:fld>
             <a:endParaRPr lang="en-US"/>
           </a:p>
@@ -1112,7 +1112,7 @@
           <a:p>
             <a:fld id="{2D1FB5FC-1629-4A0D-9573-785FAC7ED015}" type="datetimeFigureOut">
               <a:rPr lang="en-US" smtClean="0"/>
-              <a:t>2/22/2026</a:t>
+              <a:t>2/27/2026</a:t>
             </a:fld>
             <a:endParaRPr lang="en-US"/>
           </a:p>
@@ -1344,7 +1344,7 @@
           <a:p>
             <a:fld id="{2D1FB5FC-1629-4A0D-9573-785FAC7ED015}" type="datetimeFigureOut">
               <a:rPr lang="en-US" smtClean="0"/>
-              <a:t>2/22/2026</a:t>
+              <a:t>2/27/2026</a:t>
             </a:fld>
             <a:endParaRPr lang="en-US"/>
           </a:p>
@@ -1711,7 +1711,7 @@
           <a:p>
             <a:fld id="{2D1FB5FC-1629-4A0D-9573-785FAC7ED015}" type="datetimeFigureOut">
               <a:rPr lang="en-US" smtClean="0"/>
-              <a:t>2/22/2026</a:t>
+              <a:t>2/27/2026</a:t>
             </a:fld>
             <a:endParaRPr lang="en-US"/>
           </a:p>
@@ -1829,7 +1829,7 @@
           <a:p>
             <a:fld id="{2D1FB5FC-1629-4A0D-9573-785FAC7ED015}" type="datetimeFigureOut">
               <a:rPr lang="en-US" smtClean="0"/>
-              <a:t>2/22/2026</a:t>
+              <a:t>2/27/2026</a:t>
             </a:fld>
             <a:endParaRPr lang="en-US"/>
           </a:p>
@@ -1924,7 +1924,7 @@
           <a:p>
             <a:fld id="{2D1FB5FC-1629-4A0D-9573-785FAC7ED015}" type="datetimeFigureOut">
               <a:rPr lang="en-US" smtClean="0"/>
-              <a:t>2/22/2026</a:t>
+              <a:t>2/27/2026</a:t>
             </a:fld>
             <a:endParaRPr lang="en-US"/>
           </a:p>
@@ -2201,7 +2201,7 @@
           <a:p>
             <a:fld id="{2D1FB5FC-1629-4A0D-9573-785FAC7ED015}" type="datetimeFigureOut">
               <a:rPr lang="en-US" smtClean="0"/>
-              <a:t>2/22/2026</a:t>
+              <a:t>2/27/2026</a:t>
             </a:fld>
             <a:endParaRPr lang="en-US"/>
           </a:p>
@@ -2458,7 +2458,7 @@
           <a:p>
             <a:fld id="{2D1FB5FC-1629-4A0D-9573-785FAC7ED015}" type="datetimeFigureOut">
               <a:rPr lang="en-US" smtClean="0"/>
-              <a:t>2/22/2026</a:t>
+              <a:t>2/27/2026</a:t>
             </a:fld>
             <a:endParaRPr lang="en-US"/>
           </a:p>
@@ -2671,7 +2671,7 @@
           <a:p>
             <a:fld id="{2D1FB5FC-1629-4A0D-9573-785FAC7ED015}" type="datetimeFigureOut">
               <a:rPr lang="en-US" smtClean="0"/>
-              <a:t>2/22/2026</a:t>
+              <a:t>2/27/2026</a:t>
             </a:fld>
             <a:endParaRPr lang="en-US"/>
           </a:p>
@@ -3117,7 +3117,7 @@
               <a:buNone/>
             </a:pPr>
             <a:r>
-              <a:rPr lang="en-US" b="0" i="0" dirty="0">
+              <a:rPr lang="en-US" sz="1200" b="0" i="0" dirty="0">
                 <a:solidFill>
                   <a:srgbClr val="272C37"/>
                 </a:solidFill>
@@ -3138,7 +3138,7 @@
               <a:buNone/>
             </a:pPr>
             <a:r>
-              <a:rPr lang="en-US" b="0" i="0" dirty="0">
+              <a:rPr lang="en-US" sz="1200" b="0" i="0" dirty="0">
                 <a:solidFill>
                   <a:srgbClr val="3A3A3A"/>
                 </a:solidFill>
@@ -3148,7 +3148,7 @@
               <a:t>Learn about a brief comparison between MongoDB and </a:t>
             </a:r>
             <a:r>
-              <a:rPr lang="en-US" b="0" i="0" u="none" strike="noStrike" dirty="0">
+              <a:rPr lang="en-US" sz="1200" b="0" i="0" u="none" strike="noStrike" dirty="0">
                 <a:solidFill>
                   <a:srgbClr val="0F5A9E"/>
                 </a:solidFill>
@@ -3159,7 +3159,7 @@
               <a:t>Cassandra</a:t>
             </a:r>
             <a:r>
-              <a:rPr lang="en-US" b="0" i="0" dirty="0">
+              <a:rPr lang="en-US" sz="1200" b="0" i="0" dirty="0">
                 <a:solidFill>
                   <a:srgbClr val="3A3A3A"/>
                 </a:solidFill>
@@ -3186,35 +3186,35 @@
           <p:nvPr>
             <p:extLst>
               <p:ext uri="{D42A27DB-BD31-4B8C-83A1-F6EECF244321}">
-                <p14:modId xmlns:p14="http://schemas.microsoft.com/office/powerpoint/2010/main" val="2692596022"/>
+                <p14:modId xmlns:p14="http://schemas.microsoft.com/office/powerpoint/2010/main" val="832944238"/>
               </p:ext>
             </p:extLst>
           </p:nvPr>
         </p:nvGraphicFramePr>
         <p:xfrm>
           <a:off x="416257" y="1965960"/>
-          <a:ext cx="8543925" cy="1463040"/>
+          <a:ext cx="6919263" cy="1097280"/>
         </p:xfrm>
         <a:graphic>
           <a:graphicData uri="http://schemas.openxmlformats.org/drawingml/2006/table">
             <a:tbl>
               <a:tblPr/>
               <a:tblGrid>
-                <a:gridCol w="2847975">
+                <a:gridCol w="2306421">
                   <a:extLst>
                     <a:ext uri="{9D8B030D-6E8A-4147-A177-3AD203B41FA5}">
                       <a16:colId xmlns:a16="http://schemas.microsoft.com/office/drawing/2014/main" val="829966702"/>
                     </a:ext>
                   </a:extLst>
                 </a:gridCol>
-                <a:gridCol w="2847975">
+                <a:gridCol w="2306421">
                   <a:extLst>
                     <a:ext uri="{9D8B030D-6E8A-4147-A177-3AD203B41FA5}">
                       <a16:colId xmlns:a16="http://schemas.microsoft.com/office/drawing/2014/main" val="2861437357"/>
                     </a:ext>
                   </a:extLst>
                 </a:gridCol>
-                <a:gridCol w="2847975">
+                <a:gridCol w="2306421">
                   <a:extLst>
                     <a:ext uri="{9D8B030D-6E8A-4147-A177-3AD203B41FA5}">
                       <a16:colId xmlns:a16="http://schemas.microsoft.com/office/drawing/2014/main" val="1895654258"/>
@@ -3232,7 +3232,7 @@
                         <a:buNone/>
                       </a:pPr>
                       <a:r>
-                        <a:rPr lang="en-US" b="0">
+                        <a:rPr lang="en-US" sz="1200" b="0">
                           <a:solidFill>
                             <a:srgbClr val="FFFFFF"/>
                           </a:solidFill>
@@ -3240,7 +3240,7 @@
                         </a:rPr>
                         <a:t>Criteria</a:t>
                       </a:r>
-                      <a:endParaRPr lang="en-US">
+                      <a:endParaRPr lang="en-US" sz="1200">
                         <a:solidFill>
                           <a:srgbClr val="FFFFFF"/>
                         </a:solidFill>
@@ -3299,7 +3299,7 @@
                         <a:buNone/>
                       </a:pPr>
                       <a:r>
-                        <a:rPr lang="en-US" b="0">
+                        <a:rPr lang="en-US" sz="1200" b="0">
                           <a:solidFill>
                             <a:srgbClr val="FFFFFF"/>
                           </a:solidFill>
@@ -3307,7 +3307,7 @@
                         </a:rPr>
                         <a:t>MongoDB</a:t>
                       </a:r>
-                      <a:endParaRPr lang="en-US">
+                      <a:endParaRPr lang="en-US" sz="1200">
                         <a:solidFill>
                           <a:srgbClr val="FFFFFF"/>
                         </a:solidFill>
@@ -3366,7 +3366,7 @@
                         <a:buNone/>
                       </a:pPr>
                       <a:r>
-                        <a:rPr lang="en-US" b="0">
+                        <a:rPr lang="en-US" sz="1200" b="0">
                           <a:solidFill>
                             <a:srgbClr val="FFFFFF"/>
                           </a:solidFill>
@@ -3374,7 +3374,7 @@
                         </a:rPr>
                         <a:t>Cassandra</a:t>
                       </a:r>
-                      <a:endParaRPr lang="en-US">
+                      <a:endParaRPr lang="en-US" sz="1200">
                         <a:solidFill>
                           <a:srgbClr val="FFFFFF"/>
                         </a:solidFill>
@@ -3440,7 +3440,7 @@
                         <a:buNone/>
                       </a:pPr>
                       <a:r>
-                        <a:rPr lang="en-US">
+                        <a:rPr lang="en-US" sz="1200">
                           <a:effectLst/>
                         </a:rPr>
                         <a:t>Data Model</a:t>
@@ -3498,7 +3498,7 @@
                         <a:buNone/>
                       </a:pPr>
                       <a:r>
-                        <a:rPr lang="en-US">
+                        <a:rPr lang="en-US" sz="1200">
                           <a:effectLst/>
                         </a:rPr>
                         <a:t>Document</a:t>
@@ -3556,7 +3556,7 @@
                         <a:buNone/>
                       </a:pPr>
                       <a:r>
-                        <a:rPr lang="en-US">
+                        <a:rPr lang="en-US" sz="1200" dirty="0">
                           <a:effectLst/>
                         </a:rPr>
                         <a:t>Bigtable like</a:t>
@@ -3621,7 +3621,7 @@
                         <a:buNone/>
                       </a:pPr>
                       <a:r>
-                        <a:rPr lang="en-US">
+                        <a:rPr lang="en-US" sz="1200">
                           <a:effectLst/>
                         </a:rPr>
                         <a:t>Database scalability</a:t>
@@ -3679,7 +3679,7 @@
                         <a:buNone/>
                       </a:pPr>
                       <a:r>
-                        <a:rPr lang="en-US">
+                        <a:rPr lang="en-US" sz="1200">
                           <a:effectLst/>
                         </a:rPr>
                         <a:t>Read</a:t>
@@ -3737,7 +3737,7 @@
                         <a:buNone/>
                       </a:pPr>
                       <a:r>
-                        <a:rPr lang="en-US">
+                        <a:rPr lang="en-US" sz="1200">
                           <a:effectLst/>
                         </a:rPr>
                         <a:t>Write</a:t>
@@ -3802,7 +3802,7 @@
                         <a:buNone/>
                       </a:pPr>
                       <a:r>
-                        <a:rPr lang="en-US">
+                        <a:rPr lang="en-US" sz="1200">
                           <a:effectLst/>
                         </a:rPr>
                         <a:t>Querying of data</a:t>
@@ -3860,7 +3860,7 @@
                         <a:buNone/>
                       </a:pPr>
                       <a:r>
-                        <a:rPr lang="en-US">
+                        <a:rPr lang="en-US" sz="1200">
                           <a:effectLst/>
                         </a:rPr>
                         <a:t>Multi-indexed</a:t>
@@ -3918,7 +3918,7 @@
                         <a:buNone/>
                       </a:pPr>
                       <a:r>
-                        <a:rPr lang="en-US" dirty="0">
+                        <a:rPr lang="en-US" sz="1200" dirty="0">
                           <a:effectLst/>
                         </a:rPr>
                         <a:t>Using Key or Scan</a:t>
@@ -3992,7 +3992,7 @@
         <p:spPr>
           <a:xfrm>
             <a:off x="126455" y="3429000"/>
-            <a:ext cx="9123527" cy="3567643"/>
+            <a:ext cx="9123527" cy="3269485"/>
           </a:xfrm>
           <a:prstGeom prst="rect">
             <a:avLst/>
@@ -4018,7 +4018,7 @@
               <a:buNone/>
             </a:pPr>
             <a:r>
-              <a:rPr lang="en-US" b="0" i="0" dirty="0">
+              <a:rPr lang="en-US" sz="1200" b="0" i="0" dirty="0">
                 <a:solidFill>
                   <a:srgbClr val="272C37"/>
                 </a:solidFill>
@@ -4028,7 +4028,7 @@
               <a:t>2. What makes MongoDB the best?</a:t>
             </a:r>
             <a:br>
-              <a:rPr lang="en-US" b="0" i="0" dirty="0">
+              <a:rPr lang="en-US" sz="1200" b="0" i="0" dirty="0">
                 <a:solidFill>
                   <a:srgbClr val="272C37"/>
                 </a:solidFill>
@@ -4037,7 +4037,7 @@
               </a:rPr>
             </a:br>
             <a:br>
-              <a:rPr lang="en-US" b="0" i="0" dirty="0">
+              <a:rPr lang="en-US" sz="1200" b="0" i="0" dirty="0">
                 <a:solidFill>
                   <a:srgbClr val="272C37"/>
                 </a:solidFill>
@@ -4046,7 +4046,7 @@
               </a:rPr>
             </a:br>
             <a:r>
-              <a:rPr lang="en-US" b="0" i="0" dirty="0">
+              <a:rPr lang="en-US" sz="1200" b="0" i="0" dirty="0">
                 <a:solidFill>
                   <a:srgbClr val="3A3A3A"/>
                 </a:solidFill>
@@ -4071,7 +4071,7 @@
               <a:buChar char="•"/>
             </a:pPr>
             <a:r>
-              <a:rPr lang="en-US" b="0" i="0" dirty="0">
+              <a:rPr lang="en-US" sz="1200" b="0" i="0" dirty="0">
                 <a:solidFill>
                   <a:srgbClr val="3A3A3A"/>
                 </a:solidFill>
@@ -4096,7 +4096,7 @@
               <a:buChar char="•"/>
             </a:pPr>
             <a:r>
-              <a:rPr lang="en-US" b="0" i="0" dirty="0">
+              <a:rPr lang="en-US" sz="1200" b="0" i="0" dirty="0">
                 <a:solidFill>
                   <a:srgbClr val="3A3A3A"/>
                 </a:solidFill>
@@ -4121,7 +4121,7 @@
               <a:buChar char="•"/>
             </a:pPr>
             <a:r>
-              <a:rPr lang="en-US" b="0" i="0" dirty="0">
+              <a:rPr lang="en-US" sz="1200" b="0" i="0" dirty="0">
                 <a:solidFill>
                   <a:srgbClr val="3A3A3A"/>
                 </a:solidFill>
@@ -4146,7 +4146,7 @@
               <a:buChar char="•"/>
             </a:pPr>
             <a:r>
-              <a:rPr lang="en-US" b="0" i="0" dirty="0">
+              <a:rPr lang="en-US" sz="1200" b="0" i="0" dirty="0">
                 <a:solidFill>
                   <a:srgbClr val="3A3A3A"/>
                 </a:solidFill>
@@ -4171,7 +4171,7 @@
               <a:buChar char="•"/>
             </a:pPr>
             <a:r>
-              <a:rPr lang="en-US" b="0" i="0" dirty="0">
+              <a:rPr lang="en-US" sz="1200" b="0" i="0" dirty="0">
                 <a:solidFill>
                   <a:srgbClr val="3A3A3A"/>
                 </a:solidFill>
